--- a/presentation/nir.pptx
+++ b/presentation/nir.pptx
@@ -6,15 +6,17 @@
   </p:sldMasterIdLst>
   <p:sldIdLst>
     <p:sldId id="256" r:id="rId2"/>
-    <p:sldId id="257" r:id="rId3"/>
-    <p:sldId id="258" r:id="rId4"/>
-    <p:sldId id="259" r:id="rId5"/>
-    <p:sldId id="260" r:id="rId6"/>
-    <p:sldId id="265" r:id="rId7"/>
-    <p:sldId id="261" r:id="rId8"/>
-    <p:sldId id="263" r:id="rId9"/>
-    <p:sldId id="262" r:id="rId10"/>
-    <p:sldId id="264" r:id="rId11"/>
+    <p:sldId id="266" r:id="rId3"/>
+    <p:sldId id="257" r:id="rId4"/>
+    <p:sldId id="258" r:id="rId5"/>
+    <p:sldId id="259" r:id="rId6"/>
+    <p:sldId id="260" r:id="rId7"/>
+    <p:sldId id="265" r:id="rId8"/>
+    <p:sldId id="261" r:id="rId9"/>
+    <p:sldId id="263" r:id="rId10"/>
+    <p:sldId id="262" r:id="rId11"/>
+    <p:sldId id="267" r:id="rId12"/>
+    <p:sldId id="264" r:id="rId13"/>
   </p:sldIdLst>
   <p:sldSz cx="9144000" cy="6858000" type="screen4x3"/>
   <p:notesSz cx="6858000" cy="9144000"/>
@@ -14740,25 +14742,69 @@
           <a:lstStyle/>
           <a:p>
             <a:r>
+              <a:rPr lang="en-US" dirty="0" smtClean="0"/>
+              <a:t>OpenGL</a:t>
+            </a:r>
+          </a:p>
+          <a:p>
+            <a:r>
               <a:rPr lang="ru-RU" dirty="0" smtClean="0"/>
-              <a:t>Применение различных техник для сокращения числа рассчитываемых частиц</a:t>
+              <a:t>Алгоритмы моделирования облаков</a:t>
             </a:r>
           </a:p>
           <a:p>
             <a:r>
-              <a:rPr lang="ru-RU" dirty="0" err="1" smtClean="0"/>
-              <a:t>Рандомизированный</a:t>
+              <a:rPr lang="ru-RU" dirty="0" smtClean="0"/>
+              <a:t>Сторонние библиотеки для работы с </a:t>
             </a:r>
             <a:r>
-              <a:rPr lang="ru-RU" dirty="0" smtClean="0"/>
-              <a:t> алгоритм заполнения облаками некоторого объема с определенной плотностью</a:t>
+              <a:rPr lang="en-US" dirty="0" smtClean="0"/>
+              <a:t>OpenGL (</a:t>
+            </a:r>
+            <a:r>
+              <a:rPr lang="en-US" dirty="0" err="1" smtClean="0"/>
+              <a:t>freeglut</a:t>
+            </a:r>
+            <a:r>
+              <a:rPr lang="en-US" dirty="0" smtClean="0"/>
+              <a:t>, </a:t>
+            </a:r>
+            <a:r>
+              <a:rPr lang="en-US" dirty="0" err="1" smtClean="0"/>
+              <a:t>AntTweakBar</a:t>
+            </a:r>
+            <a:r>
+              <a:rPr lang="en-US" dirty="0" smtClean="0"/>
+              <a:t>, </a:t>
+            </a:r>
+            <a:r>
+              <a:rPr lang="en-US" dirty="0" err="1" smtClean="0"/>
+              <a:t>nvidia</a:t>
+            </a:r>
+            <a:r>
+              <a:rPr lang="en-US" dirty="0" smtClean="0"/>
+              <a:t> </a:t>
+            </a:r>
+            <a:r>
+              <a:rPr lang="en-US" dirty="0" err="1" smtClean="0"/>
+              <a:t>sdk</a:t>
+            </a:r>
+            <a:r>
+              <a:rPr lang="en-US" dirty="0" smtClean="0"/>
+              <a:t>, …)</a:t>
             </a:r>
           </a:p>
           <a:p>
             <a:r>
               <a:rPr lang="ru-RU" dirty="0" smtClean="0"/>
-              <a:t>Разработка способов получения теней от облаков</a:t>
+              <a:t>Средства профилирования в </a:t>
             </a:r>
+            <a:r>
+              <a:rPr lang="en-US" dirty="0" smtClean="0"/>
+              <a:t>Visual Studio</a:t>
+            </a:r>
+          </a:p>
+          <a:p>
             <a:endParaRPr lang="ru-RU" dirty="0"/>
           </a:p>
         </p:txBody>
@@ -14780,6 +14826,162 @@
           <a:p>
             <a:r>
               <a:rPr lang="ru-RU" dirty="0" smtClean="0"/>
+              <a:t>Изученные технологии</a:t>
+            </a:r>
+            <a:endParaRPr lang="ru-RU" dirty="0"/>
+          </a:p>
+        </p:txBody>
+      </p:sp>
+    </p:spTree>
+    <p:extLst>
+      <p:ext uri="{BB962C8B-B14F-4D97-AF65-F5344CB8AC3E}">
+        <p14:creationId xmlns:p14="http://schemas.microsoft.com/office/powerpoint/2010/main" val="2735113127"/>
+      </p:ext>
+    </p:extLst>
+  </p:cSld>
+  <p:clrMapOvr>
+    <a:masterClrMapping/>
+  </p:clrMapOvr>
+</p:sld>
+</file>
+
+<file path=ppt/slides/slide11.xml><?xml version="1.0" encoding="utf-8"?>
+<p:sld xmlns:a="http://schemas.openxmlformats.org/drawingml/2006/main" xmlns:r="http://schemas.openxmlformats.org/officeDocument/2006/relationships" xmlns:p="http://schemas.openxmlformats.org/presentationml/2006/main">
+  <p:cSld>
+    <p:spTree>
+      <p:nvGrpSpPr>
+        <p:cNvPr id="1" name=""/>
+        <p:cNvGrpSpPr/>
+        <p:nvPr/>
+      </p:nvGrpSpPr>
+      <p:grpSpPr>
+        <a:xfrm>
+          <a:off x="0" y="0"/>
+          <a:ext cx="0" cy="0"/>
+          <a:chOff x="0" y="0"/>
+          <a:chExt cx="0" cy="0"/>
+        </a:xfrm>
+      </p:grpSpPr>
+      <p:sp>
+        <p:nvSpPr>
+          <p:cNvPr id="6" name="Заголовок 5"/>
+          <p:cNvSpPr>
+            <a:spLocks noGrp="1"/>
+          </p:cNvSpPr>
+          <p:nvPr>
+            <p:ph type="title"/>
+          </p:nvPr>
+        </p:nvSpPr>
+        <p:spPr/>
+        <p:txBody>
+          <a:bodyPr/>
+          <a:lstStyle/>
+          <a:p>
+            <a:r>
+              <a:rPr lang="ru-RU" dirty="0"/>
+              <a:t>Спасибо за </a:t>
+            </a:r>
+            <a:r>
+              <a:rPr lang="ru-RU" dirty="0" smtClean="0"/>
+              <a:t>внимание</a:t>
+            </a:r>
+            <a:endParaRPr lang="ru-RU" dirty="0"/>
+          </a:p>
+        </p:txBody>
+      </p:sp>
+    </p:spTree>
+    <p:extLst>
+      <p:ext uri="{BB962C8B-B14F-4D97-AF65-F5344CB8AC3E}">
+        <p14:creationId xmlns:p14="http://schemas.microsoft.com/office/powerpoint/2010/main" val="1425594048"/>
+      </p:ext>
+    </p:extLst>
+  </p:cSld>
+  <p:clrMapOvr>
+    <a:masterClrMapping/>
+  </p:clrMapOvr>
+</p:sld>
+</file>
+
+<file path=ppt/slides/slide12.xml><?xml version="1.0" encoding="utf-8"?>
+<p:sld xmlns:a="http://schemas.openxmlformats.org/drawingml/2006/main" xmlns:r="http://schemas.openxmlformats.org/officeDocument/2006/relationships" xmlns:p="http://schemas.openxmlformats.org/presentationml/2006/main">
+  <p:cSld>
+    <p:spTree>
+      <p:nvGrpSpPr>
+        <p:cNvPr id="1" name=""/>
+        <p:cNvGrpSpPr/>
+        <p:nvPr/>
+      </p:nvGrpSpPr>
+      <p:grpSpPr>
+        <a:xfrm>
+          <a:off x="0" y="0"/>
+          <a:ext cx="0" cy="0"/>
+          <a:chOff x="0" y="0"/>
+          <a:chExt cx="0" cy="0"/>
+        </a:xfrm>
+      </p:grpSpPr>
+      <p:sp>
+        <p:nvSpPr>
+          <p:cNvPr id="2" name="Объект 1"/>
+          <p:cNvSpPr>
+            <a:spLocks noGrp="1"/>
+          </p:cNvSpPr>
+          <p:nvPr>
+            <p:ph idx="1"/>
+          </p:nvPr>
+        </p:nvSpPr>
+        <p:spPr/>
+        <p:txBody>
+          <a:bodyPr/>
+          <a:lstStyle/>
+          <a:p>
+            <a:r>
+              <a:rPr lang="ru-RU" dirty="0" smtClean="0"/>
+              <a:t>Применение различных техник для сокращения числа рассчитываемых частиц</a:t>
+            </a:r>
+          </a:p>
+          <a:p>
+            <a:r>
+              <a:rPr lang="ru-RU" dirty="0" err="1" smtClean="0"/>
+              <a:t>Рандомизированный</a:t>
+            </a:r>
+            <a:r>
+              <a:rPr lang="ru-RU" dirty="0" smtClean="0"/>
+              <a:t> алгоритм заполнения облаками некоторого объема с определенной плотностью</a:t>
+            </a:r>
+          </a:p>
+          <a:p>
+            <a:r>
+              <a:rPr lang="ru-RU" dirty="0" smtClean="0"/>
+              <a:t>Разработка способов получения теней от облаков</a:t>
+            </a:r>
+            <a:endParaRPr lang="en-US" dirty="0" smtClean="0"/>
+          </a:p>
+          <a:p>
+            <a:r>
+              <a:rPr lang="ru-RU" dirty="0" smtClean="0"/>
+              <a:t>Отказ от сортировки частиц</a:t>
+            </a:r>
+            <a:endParaRPr lang="ru-RU" dirty="0"/>
+          </a:p>
+        </p:txBody>
+      </p:sp>
+      <p:sp>
+        <p:nvSpPr>
+          <p:cNvPr id="3" name="Заголовок 2"/>
+          <p:cNvSpPr>
+            <a:spLocks noGrp="1"/>
+          </p:cNvSpPr>
+          <p:nvPr>
+            <p:ph type="title"/>
+          </p:nvPr>
+        </p:nvSpPr>
+        <p:spPr/>
+        <p:txBody>
+          <a:bodyPr/>
+          <a:lstStyle/>
+          <a:p>
+            <a:r>
+              <a:rPr lang="ru-RU" dirty="0" smtClean="0"/>
               <a:t>Дальнейшее развитие подхода</a:t>
             </a:r>
             <a:endParaRPr lang="ru-RU" dirty="0"/>
@@ -14800,6 +15002,115 @@
 </file>
 
 <file path=ppt/slides/slide2.xml><?xml version="1.0" encoding="utf-8"?>
+<p:sld xmlns:a="http://schemas.openxmlformats.org/drawingml/2006/main" xmlns:r="http://schemas.openxmlformats.org/officeDocument/2006/relationships" xmlns:p="http://schemas.openxmlformats.org/presentationml/2006/main">
+  <p:cSld>
+    <p:spTree>
+      <p:nvGrpSpPr>
+        <p:cNvPr id="1" name=""/>
+        <p:cNvGrpSpPr/>
+        <p:nvPr/>
+      </p:nvGrpSpPr>
+      <p:grpSpPr>
+        <a:xfrm>
+          <a:off x="0" y="0"/>
+          <a:ext cx="0" cy="0"/>
+          <a:chOff x="0" y="0"/>
+          <a:chExt cx="0" cy="0"/>
+        </a:xfrm>
+      </p:grpSpPr>
+      <p:sp>
+        <p:nvSpPr>
+          <p:cNvPr id="2" name="Объект 1"/>
+          <p:cNvSpPr>
+            <a:spLocks noGrp="1"/>
+          </p:cNvSpPr>
+          <p:nvPr>
+            <p:ph idx="1"/>
+          </p:nvPr>
+        </p:nvSpPr>
+        <p:spPr/>
+        <p:txBody>
+          <a:bodyPr/>
+          <a:lstStyle/>
+          <a:p>
+            <a:r>
+              <a:rPr lang="en-US" dirty="0" smtClean="0"/>
+              <a:t>Volumetric clouds</a:t>
+            </a:r>
+          </a:p>
+          <a:p>
+            <a:r>
+              <a:rPr lang="ru-RU" dirty="0" smtClean="0"/>
+              <a:t>Моделирование объема</a:t>
+            </a:r>
+            <a:r>
+              <a:rPr lang="en-US" dirty="0" smtClean="0"/>
+              <a:t>:  </a:t>
+            </a:r>
+            <a:r>
+              <a:rPr lang="ru-RU" dirty="0" smtClean="0"/>
+              <a:t>рассеивание, рождение облаков, движение</a:t>
+            </a:r>
+          </a:p>
+          <a:p>
+            <a:r>
+              <a:rPr lang="ru-RU" dirty="0" smtClean="0"/>
+              <a:t>Корректное освещение (рассеяние, тени)</a:t>
+            </a:r>
+            <a:endParaRPr lang="en-US" dirty="0" smtClean="0"/>
+          </a:p>
+          <a:p>
+            <a:r>
+              <a:rPr lang="en-US" dirty="0" smtClean="0"/>
+              <a:t>OpenGL</a:t>
+            </a:r>
+            <a:endParaRPr lang="ru-RU" dirty="0" smtClean="0"/>
+          </a:p>
+          <a:p>
+            <a:pPr marL="301943" lvl="1" indent="0">
+              <a:buNone/>
+            </a:pPr>
+            <a:endParaRPr lang="ru-RU" dirty="0"/>
+          </a:p>
+        </p:txBody>
+      </p:sp>
+      <p:sp>
+        <p:nvSpPr>
+          <p:cNvPr id="3" name="Заголовок 2"/>
+          <p:cNvSpPr>
+            <a:spLocks noGrp="1"/>
+          </p:cNvSpPr>
+          <p:nvPr>
+            <p:ph type="title"/>
+          </p:nvPr>
+        </p:nvSpPr>
+        <p:spPr/>
+        <p:txBody>
+          <a:bodyPr/>
+          <a:lstStyle/>
+          <a:p>
+            <a:r>
+              <a:rPr lang="ru-RU" dirty="0" smtClean="0"/>
+              <a:t>Задача</a:t>
+            </a:r>
+            <a:endParaRPr lang="ru-RU" dirty="0"/>
+          </a:p>
+        </p:txBody>
+      </p:sp>
+    </p:spTree>
+    <p:extLst>
+      <p:ext uri="{BB962C8B-B14F-4D97-AF65-F5344CB8AC3E}">
+        <p14:creationId xmlns:p14="http://schemas.microsoft.com/office/powerpoint/2010/main" val="2661901048"/>
+      </p:ext>
+    </p:extLst>
+  </p:cSld>
+  <p:clrMapOvr>
+    <a:masterClrMapping/>
+  </p:clrMapOvr>
+</p:sld>
+</file>
+
+<file path=ppt/slides/slide3.xml><?xml version="1.0" encoding="utf-8"?>
 <p:sld xmlns:a="http://schemas.openxmlformats.org/drawingml/2006/main" xmlns:r="http://schemas.openxmlformats.org/officeDocument/2006/relationships" xmlns:p="http://schemas.openxmlformats.org/presentationml/2006/main">
   <p:cSld>
     <p:spTree>
@@ -14932,7 +15243,7 @@
 </p:sld>
 </file>
 
-<file path=ppt/slides/slide3.xml><?xml version="1.0" encoding="utf-8"?>
+<file path=ppt/slides/slide4.xml><?xml version="1.0" encoding="utf-8"?>
 <p:sld xmlns:a="http://schemas.openxmlformats.org/drawingml/2006/main" xmlns:r="http://schemas.openxmlformats.org/officeDocument/2006/relationships" xmlns:p="http://schemas.openxmlformats.org/presentationml/2006/main">
   <p:cSld>
     <p:spTree>
@@ -15127,7 +15438,7 @@
 </p:sld>
 </file>
 
-<file path=ppt/slides/slide4.xml><?xml version="1.0" encoding="utf-8"?>
+<file path=ppt/slides/slide5.xml><?xml version="1.0" encoding="utf-8"?>
 <p:sld xmlns:a="http://schemas.openxmlformats.org/drawingml/2006/main" xmlns:r="http://schemas.openxmlformats.org/officeDocument/2006/relationships" xmlns:p="http://schemas.openxmlformats.org/presentationml/2006/main">
   <p:cSld>
     <p:spTree>
@@ -15247,7 +15558,7 @@
 </p:sld>
 </file>
 
-<file path=ppt/slides/slide5.xml><?xml version="1.0" encoding="utf-8"?>
+<file path=ppt/slides/slide6.xml><?xml version="1.0" encoding="utf-8"?>
 <p:sld xmlns:a="http://schemas.openxmlformats.org/drawingml/2006/main" xmlns:r="http://schemas.openxmlformats.org/officeDocument/2006/relationships" xmlns:p="http://schemas.openxmlformats.org/presentationml/2006/main">
   <p:cSld>
     <p:spTree>
@@ -15409,7 +15720,7 @@
 </p:sld>
 </file>
 
-<file path=ppt/slides/slide6.xml><?xml version="1.0" encoding="utf-8"?>
+<file path=ppt/slides/slide7.xml><?xml version="1.0" encoding="utf-8"?>
 <p:sld xmlns:a="http://schemas.openxmlformats.org/drawingml/2006/main" xmlns:r="http://schemas.openxmlformats.org/officeDocument/2006/relationships" xmlns:p="http://schemas.openxmlformats.org/presentationml/2006/main">
   <p:cSld>
     <p:spTree>
@@ -15588,7 +15899,7 @@
 </p:sld>
 </file>
 
-<file path=ppt/slides/slide7.xml><?xml version="1.0" encoding="utf-8"?>
+<file path=ppt/slides/slide8.xml><?xml version="1.0" encoding="utf-8"?>
 <p:sld xmlns:a="http://schemas.openxmlformats.org/drawingml/2006/main" xmlns:r="http://schemas.openxmlformats.org/officeDocument/2006/relationships" xmlns:p="http://schemas.openxmlformats.org/presentationml/2006/main">
   <p:cSld>
     <p:spTree>
@@ -15734,131 +16045,6 @@
 </p:sld>
 </file>
 
-<file path=ppt/slides/slide8.xml><?xml version="1.0" encoding="utf-8"?>
-<p:sld xmlns:a="http://schemas.openxmlformats.org/drawingml/2006/main" xmlns:r="http://schemas.openxmlformats.org/officeDocument/2006/relationships" xmlns:p="http://schemas.openxmlformats.org/presentationml/2006/main">
-  <p:cSld>
-    <p:spTree>
-      <p:nvGrpSpPr>
-        <p:cNvPr id="1" name=""/>
-        <p:cNvGrpSpPr/>
-        <p:nvPr/>
-      </p:nvGrpSpPr>
-      <p:grpSpPr>
-        <a:xfrm>
-          <a:off x="0" y="0"/>
-          <a:ext cx="0" cy="0"/>
-          <a:chOff x="0" y="0"/>
-          <a:chExt cx="0" cy="0"/>
-        </a:xfrm>
-      </p:grpSpPr>
-      <p:sp>
-        <p:nvSpPr>
-          <p:cNvPr id="2" name="Объект 1"/>
-          <p:cNvSpPr>
-            <a:spLocks noGrp="1"/>
-          </p:cNvSpPr>
-          <p:nvPr>
-            <p:ph idx="1"/>
-          </p:nvPr>
-        </p:nvSpPr>
-        <p:spPr/>
-        <p:txBody>
-          <a:bodyPr/>
-          <a:lstStyle/>
-          <a:p>
-            <a:r>
-              <a:rPr lang="ru-RU" dirty="0" smtClean="0"/>
-              <a:t>Модель освещения </a:t>
-            </a:r>
-            <a:r>
-              <a:rPr lang="en-US" dirty="0" smtClean="0"/>
-              <a:t>Harris</a:t>
-            </a:r>
-          </a:p>
-          <a:p>
-            <a:r>
-              <a:rPr lang="ru-RU" dirty="0" smtClean="0"/>
-              <a:t>Моделирование ветра и трансформации облаков </a:t>
-            </a:r>
-            <a:r>
-              <a:rPr lang="en-US" dirty="0" err="1" smtClean="0"/>
-              <a:t>Dobashi</a:t>
-            </a:r>
-            <a:endParaRPr lang="en-US" dirty="0" smtClean="0"/>
-          </a:p>
-          <a:p>
-            <a:r>
-              <a:rPr lang="en-US" dirty="0" smtClean="0"/>
-              <a:t>OpenGL</a:t>
-            </a:r>
-          </a:p>
-          <a:p>
-            <a:r>
-              <a:rPr lang="ru-RU" dirty="0" smtClean="0"/>
-              <a:t>На </a:t>
-            </a:r>
-            <a:r>
-              <a:rPr lang="en-US" dirty="0" smtClean="0"/>
-              <a:t>Core i5 </a:t>
-            </a:r>
-            <a:r>
-              <a:rPr lang="ru-RU" dirty="0" smtClean="0"/>
-              <a:t>с интегрированной графикой 70+ </a:t>
-            </a:r>
-            <a:r>
-              <a:rPr lang="en-US" dirty="0" smtClean="0"/>
-              <a:t>fps </a:t>
-            </a:r>
-            <a:r>
-              <a:rPr lang="ru-RU" dirty="0" smtClean="0"/>
-              <a:t>для 16 облаков</a:t>
-            </a:r>
-          </a:p>
-          <a:p>
-            <a:r>
-              <a:rPr lang="ru-RU" dirty="0" smtClean="0"/>
-              <a:t>Самое медленное – пересчет цвета каждой частицы – около 70% всего времени</a:t>
-            </a:r>
-            <a:endParaRPr lang="ru-RU" dirty="0"/>
-          </a:p>
-        </p:txBody>
-      </p:sp>
-      <p:sp>
-        <p:nvSpPr>
-          <p:cNvPr id="3" name="Заголовок 2"/>
-          <p:cNvSpPr>
-            <a:spLocks noGrp="1"/>
-          </p:cNvSpPr>
-          <p:nvPr>
-            <p:ph type="title"/>
-          </p:nvPr>
-        </p:nvSpPr>
-        <p:spPr/>
-        <p:txBody>
-          <a:bodyPr/>
-          <a:lstStyle/>
-          <a:p>
-            <a:r>
-              <a:rPr lang="ru-RU" dirty="0" smtClean="0"/>
-              <a:t>Реализованный подход</a:t>
-            </a:r>
-            <a:endParaRPr lang="ru-RU" dirty="0"/>
-          </a:p>
-        </p:txBody>
-      </p:sp>
-    </p:spTree>
-    <p:extLst>
-      <p:ext uri="{BB962C8B-B14F-4D97-AF65-F5344CB8AC3E}">
-        <p14:creationId xmlns:p14="http://schemas.microsoft.com/office/powerpoint/2010/main" val="3954755639"/>
-      </p:ext>
-    </p:extLst>
-  </p:cSld>
-  <p:clrMapOvr>
-    <a:masterClrMapping/>
-  </p:clrMapOvr>
-</p:sld>
-</file>
-
 <file path=ppt/slides/slide9.xml><?xml version="1.0" encoding="utf-8"?>
 <p:sld xmlns:a="http://schemas.openxmlformats.org/drawingml/2006/main" xmlns:r="http://schemas.openxmlformats.org/officeDocument/2006/relationships" xmlns:p="http://schemas.openxmlformats.org/presentationml/2006/main">
   <p:cSld>
@@ -15888,8 +16074,37 @@
         </p:nvSpPr>
         <p:spPr/>
         <p:txBody>
-          <a:bodyPr/>
+          <a:bodyPr>
+            <a:normAutofit lnSpcReduction="10000"/>
+          </a:bodyPr>
           <a:lstStyle/>
+          <a:p>
+            <a:r>
+              <a:rPr lang="ru-RU" dirty="0" smtClean="0"/>
+              <a:t>Модель освещения </a:t>
+            </a:r>
+            <a:r>
+              <a:rPr lang="en-US" dirty="0" smtClean="0"/>
+              <a:t>Harris</a:t>
+            </a:r>
+          </a:p>
+          <a:p>
+            <a:r>
+              <a:rPr lang="ru-RU" dirty="0" smtClean="0"/>
+              <a:t>Моделирование ветра и трансформации облаков </a:t>
+            </a:r>
+            <a:r>
+              <a:rPr lang="en-US" dirty="0" err="1" smtClean="0"/>
+              <a:t>Dobashi</a:t>
+            </a:r>
+            <a:endParaRPr lang="en-US" dirty="0" smtClean="0"/>
+          </a:p>
+          <a:p>
+            <a:r>
+              <a:rPr lang="ru-RU" dirty="0" smtClean="0"/>
+              <a:t>Несколько потоков для расчета трансформации</a:t>
+            </a:r>
+          </a:p>
           <a:p>
             <a:r>
               <a:rPr lang="en-US" dirty="0" smtClean="0"/>
@@ -15899,62 +16114,30 @@
           <a:p>
             <a:r>
               <a:rPr lang="ru-RU" dirty="0" smtClean="0"/>
-              <a:t>Алгоритмы моделирования облаков</a:t>
-            </a:r>
-          </a:p>
-          <a:p>
-            <a:r>
-              <a:rPr lang="ru-RU" dirty="0" smtClean="0"/>
-              <a:t>Сторонние библиотеки для работы с </a:t>
+              <a:t>На </a:t>
             </a:r>
             <a:r>
               <a:rPr lang="en-US" dirty="0" smtClean="0"/>
-              <a:t>OpenGL (</a:t>
+              <a:t>Core i5 </a:t>
             </a:r>
             <a:r>
-              <a:rPr lang="en-US" dirty="0" err="1" smtClean="0"/>
-              <a:t>freeglut</a:t>
+              <a:rPr lang="ru-RU" dirty="0" smtClean="0"/>
+              <a:t>с интегрированной графикой 70+ </a:t>
             </a:r>
             <a:r>
               <a:rPr lang="en-US" dirty="0" smtClean="0"/>
-              <a:t>, </a:t>
+              <a:t>fps </a:t>
             </a:r>
             <a:r>
-              <a:rPr lang="en-US" dirty="0" err="1" smtClean="0"/>
-              <a:t>AntTweakBar</a:t>
-            </a:r>
-            <a:r>
-              <a:rPr lang="en-US" dirty="0" smtClean="0"/>
-              <a:t>, </a:t>
-            </a:r>
-            <a:r>
-              <a:rPr lang="en-US" dirty="0" err="1" smtClean="0"/>
-              <a:t>nvidia</a:t>
-            </a:r>
-            <a:r>
-              <a:rPr lang="en-US" dirty="0" smtClean="0"/>
-              <a:t> </a:t>
-            </a:r>
-            <a:r>
-              <a:rPr lang="en-US" dirty="0" err="1" smtClean="0"/>
-              <a:t>sdk</a:t>
-            </a:r>
-            <a:r>
-              <a:rPr lang="en-US" dirty="0" smtClean="0"/>
-              <a:t>, …)</a:t>
+              <a:rPr lang="ru-RU" dirty="0" smtClean="0"/>
+              <a:t>для 16 облаков (2 потока)</a:t>
             </a:r>
           </a:p>
           <a:p>
             <a:r>
               <a:rPr lang="ru-RU" dirty="0" smtClean="0"/>
-              <a:t>Средства профилирования в </a:t>
+              <a:t>Самое медленное – пересчет цвета каждой частицы – около 70% всего времени</a:t>
             </a:r>
-            <a:r>
-              <a:rPr lang="en-US" dirty="0" smtClean="0"/>
-              <a:t>Visual Studio</a:t>
-            </a:r>
-          </a:p>
-          <a:p>
             <a:endParaRPr lang="ru-RU" dirty="0"/>
           </a:p>
         </p:txBody>
@@ -15976,7 +16159,7 @@
           <a:p>
             <a:r>
               <a:rPr lang="ru-RU" dirty="0" smtClean="0"/>
-              <a:t>Изученные технологии</a:t>
+              <a:t>Реализованный подход</a:t>
             </a:r>
             <a:endParaRPr lang="ru-RU" dirty="0"/>
           </a:p>
@@ -15985,7 +16168,7 @@
     </p:spTree>
     <p:extLst>
       <p:ext uri="{BB962C8B-B14F-4D97-AF65-F5344CB8AC3E}">
-        <p14:creationId xmlns:p14="http://schemas.microsoft.com/office/powerpoint/2010/main" val="2735113127"/>
+        <p14:creationId xmlns:p14="http://schemas.microsoft.com/office/powerpoint/2010/main" val="3954755639"/>
       </p:ext>
     </p:extLst>
   </p:cSld>
